--- a/Docs/Poster_Daniela_Tomás.pptx
+++ b/Docs/Poster_Daniela_Tomás.pptx
@@ -8,7 +8,7 @@
     <p:notesMasterId r:id="rId4"/>
   </p:notesMasterIdLst>
   <p:sldIdLst>
-    <p:sldId id="268" r:id="rId2"/>
+    <p:sldId id="269" r:id="rId2"/>
     <p:sldId id="267" r:id="rId3"/>
   </p:sldIdLst>
   <p:sldSz cx="18000663" cy="25199975"/>
@@ -2488,7 +2488,7 @@
           <a:p>
             <a:fld id="{C764DE79-268F-4C1A-8933-263129D2AF90}" type="datetimeFigureOut">
               <a:rPr lang="en-US" dirty="0"/>
-              <a:t>3/31/2025</a:t>
+              <a:t>4/1/2025</a:t>
             </a:fld>
             <a:endParaRPr lang="en-US" dirty="0"/>
           </a:p>
@@ -2906,7 +2906,7 @@
         <p:spPr bwMode="auto">
           <a:xfrm>
             <a:off x="352909" y="3238947"/>
-            <a:ext cx="8496000" cy="4609348"/>
+            <a:ext cx="8496000" cy="4978680"/>
           </a:xfrm>
           <a:prstGeom prst="rect">
             <a:avLst/>
@@ -3834,7 +3834,7 @@
                 <a:ea typeface="Cambria" panose="02040503050406030204" pitchFamily="18" charset="0"/>
                 <a:cs typeface="Times New Roman" panose="02020603050405020304" pitchFamily="18" charset="0"/>
               </a:rPr>
-              <a:t>, and the </a:t>
+              <a:t>, and </a:t>
             </a:r>
             <a:r>
               <a:rPr lang="en-US" sz="2400" u="sng" dirty="0">
@@ -3843,7 +3843,7 @@
                 <a:ea typeface="Cambria" panose="02040503050406030204" pitchFamily="18" charset="0"/>
                 <a:cs typeface="Times New Roman" panose="02020603050405020304" pitchFamily="18" charset="0"/>
               </a:rPr>
-              <a:t>results are not the most satisfactory</a:t>
+              <a:t>suboptimal</a:t>
             </a:r>
             <a:r>
               <a:rPr lang="en-US" sz="2400" dirty="0">
@@ -3876,7 +3876,24 @@
                 <a:ea typeface="Cambria" panose="02040503050406030204" pitchFamily="18" charset="0"/>
                 <a:cs typeface="Times New Roman" panose="02020603050405020304" pitchFamily="18" charset="0"/>
               </a:rPr>
-              <a:t>(MCTS) chosen due to its effectiveness in games and optimization problems (Figure 1).</a:t>
+              <a:t>(MCTS) chosen due to its effectiveness in games and optimization problems</a:t>
+            </a:r>
+            <a:r>
+              <a:rPr lang="en-US" sz="2400" dirty="0">
+                <a:latin typeface="Arial Narrow" panose="020B0606020202030204" pitchFamily="34" charset="0"/>
+                <a:ea typeface="Cambria" panose="02040503050406030204" pitchFamily="18" charset="0"/>
+                <a:cs typeface="Times New Roman" panose="02020603050405020304" pitchFamily="18" charset="0"/>
+              </a:rPr>
+              <a:t>, as well as </a:t>
+            </a:r>
+            <a:r>
+              <a:rPr lang="en-US" sz="2400" dirty="0">
+                <a:effectLst/>
+                <a:latin typeface="Arial Narrow" panose="020B0606020202030204" pitchFamily="34" charset="0"/>
+                <a:ea typeface="Cambria" panose="02040503050406030204" pitchFamily="18" charset="0"/>
+                <a:cs typeface="Times New Roman" panose="02020603050405020304" pitchFamily="18" charset="0"/>
+              </a:rPr>
+              <a:t>its ability to navigate large search spaces effectively (Figure 1).</a:t>
             </a:r>
           </a:p>
           <a:p>
@@ -4171,7 +4188,7 @@
         </p:nvSpPr>
         <p:spPr bwMode="auto">
           <a:xfrm>
-            <a:off x="153285" y="15192275"/>
+            <a:off x="153285" y="16128379"/>
             <a:ext cx="8820000" cy="587799"/>
           </a:xfrm>
           <a:prstGeom prst="rect">
@@ -4609,7 +4626,7 @@
         </p:nvSpPr>
         <p:spPr bwMode="auto">
           <a:xfrm>
-            <a:off x="9073457" y="7703443"/>
+            <a:off x="9073457" y="7763716"/>
             <a:ext cx="8820000" cy="587799"/>
           </a:xfrm>
           <a:prstGeom prst="rect">
@@ -5887,8 +5904,8 @@
         </p:nvSpPr>
         <p:spPr bwMode="auto">
           <a:xfrm>
-            <a:off x="201323" y="15624323"/>
-            <a:ext cx="8460000" cy="2393357"/>
+            <a:off x="201323" y="16632435"/>
+            <a:ext cx="8460000" cy="2024025"/>
           </a:xfrm>
           <a:prstGeom prst="rect">
             <a:avLst/>
@@ -6316,7 +6333,7 @@
               <a:rPr lang="en-US" altLang="en-US" sz="2400" dirty="0">
                 <a:latin typeface="Arial Narrow" panose="020B0606020202030204" pitchFamily="34" charset="0"/>
               </a:rPr>
-              <a:t> of FCUP's weekly timetable development.</a:t>
+              <a:t> of FCUP's timetabling.</a:t>
             </a:r>
           </a:p>
           <a:p>
@@ -6409,7 +6426,7 @@
         </p:nvSpPr>
         <p:spPr bwMode="auto">
           <a:xfrm>
-            <a:off x="153285" y="17928579"/>
+            <a:off x="153285" y="18576651"/>
             <a:ext cx="8820000" cy="587799"/>
           </a:xfrm>
           <a:prstGeom prst="rect">
@@ -6847,8 +6864,8 @@
         </p:nvSpPr>
         <p:spPr bwMode="auto">
           <a:xfrm>
-            <a:off x="201323" y="18360627"/>
-            <a:ext cx="8496000" cy="5348012"/>
+            <a:off x="201323" y="19080707"/>
+            <a:ext cx="8496000" cy="4609348"/>
           </a:xfrm>
           <a:prstGeom prst="rect">
             <a:avLst/>
@@ -7264,7 +7281,7 @@
               <a:rPr lang="en-US" altLang="en-US" sz="2400" dirty="0">
                 <a:latin typeface="Arial Narrow" panose="020B0606020202030204" pitchFamily="34" charset="0"/>
               </a:rPr>
-              <a:t> [1,2,3,4] and categorized UCTTP solutions based on their problem-solving strategies.</a:t>
+              <a:t> [1,2,3,4] and categorized UCTTP approaches based on their problem-solving strategies.</a:t>
             </a:r>
           </a:p>
           <a:p>
@@ -7273,16 +7290,10 @@
               <a:buChar char="•"/>
             </a:pPr>
             <a:r>
-              <a:rPr lang="en-US" altLang="en-US" sz="2400" dirty="0">
-                <a:latin typeface="Arial Narrow" panose="020B0606020202030204" pitchFamily="34" charset="0"/>
-              </a:rPr>
-              <a:t>Among the approaches, </a:t>
-            </a:r>
-            <a:r>
               <a:rPr lang="en-US" altLang="en-US" sz="2400" b="1" dirty="0">
                 <a:latin typeface="Arial Narrow" panose="020B0606020202030204" pitchFamily="34" charset="0"/>
               </a:rPr>
-              <a:t>metaheuristics</a:t>
+              <a:t>Metaheuristics</a:t>
             </a:r>
             <a:r>
               <a:rPr lang="en-US" altLang="en-US" sz="2400" dirty="0">
@@ -7330,19 +7341,7 @@
               <a:rPr lang="en-US" sz="2400" dirty="0">
                 <a:latin typeface="Arial Narrow" panose="020B0606020202030204" pitchFamily="34" charset="0"/>
               </a:rPr>
-              <a:t>, such as the one used by Tomáš Müller [5] in the </a:t>
-            </a:r>
-            <a:r>
-              <a:rPr lang="en-US" sz="2400" b="1" dirty="0">
-                <a:latin typeface="Arial Narrow" panose="020B0606020202030204" pitchFamily="34" charset="0"/>
-              </a:rPr>
-              <a:t>ITC-2007</a:t>
-            </a:r>
-            <a:r>
-              <a:rPr lang="en-US" sz="2400" dirty="0">
-                <a:latin typeface="Arial Narrow" panose="020B0606020202030204" pitchFamily="34" charset="0"/>
-              </a:rPr>
-              <a:t>, were also shown to be effective.</a:t>
+              <a:t>, like Müller’s ITC-2007 approach [5], were also shown to be effective.</a:t>
             </a:r>
           </a:p>
           <a:p>
@@ -7416,7 +7415,7 @@
               <a:t> </a:t>
             </a:r>
             <a:r>
-              <a:rPr kumimoji="0" lang="pt-PT" altLang="pt-PT" sz="2400" b="0" i="0" u="none" strike="noStrike" cap="none" normalizeH="0" baseline="0">
+              <a:rPr kumimoji="0" lang="pt-PT" altLang="pt-PT" sz="2400" b="0" i="0" u="none" strike="noStrike" cap="none" normalizeH="0" baseline="0" dirty="0" err="1">
                 <a:ln>
                   <a:noFill/>
                 </a:ln>
@@ -7518,7 +7517,7 @@
               <a:rPr lang="en-US" sz="2400" dirty="0">
                 <a:latin typeface="Arial Narrow" panose="020B0606020202030204" pitchFamily="34" charset="0"/>
               </a:rPr>
-              <a:t> of our work. This decision is driven by the potential of MCTS to effectively navigate large search spaces and its underutilization in this domain.</a:t>
+              <a:t> of our work.</a:t>
             </a:r>
             <a:endParaRPr lang="en-US" altLang="en-US" sz="2400" dirty="0">
               <a:latin typeface="Arial Narrow" panose="020B0606020202030204" pitchFamily="34" charset="0"/>
@@ -8257,7 +8256,7 @@
         </p:nvSpPr>
         <p:spPr bwMode="auto">
           <a:xfrm>
-            <a:off x="9073457" y="8135491"/>
+            <a:off x="9073457" y="8207499"/>
             <a:ext cx="8496000" cy="2024025"/>
           </a:xfrm>
           <a:prstGeom prst="rect">
@@ -9842,7 +9841,7 @@
         </p:nvSpPr>
         <p:spPr bwMode="auto">
           <a:xfrm>
-            <a:off x="1262474" y="14786667"/>
+            <a:off x="1262474" y="15818222"/>
             <a:ext cx="6451698" cy="382165"/>
           </a:xfrm>
           <a:prstGeom prst="rect">
@@ -10252,8 +10251,8 @@
         </p:blipFill>
         <p:spPr>
           <a:xfrm>
-            <a:off x="1562215" y="7415411"/>
-            <a:ext cx="6351581" cy="7465389"/>
+            <a:off x="1235845" y="7866464"/>
+            <a:ext cx="6730128" cy="7910318"/>
           </a:xfrm>
           <a:prstGeom prst="rect">
             <a:avLst/>
@@ -10674,7 +10673,7 @@
         </p:nvSpPr>
         <p:spPr bwMode="auto">
           <a:xfrm>
-            <a:off x="9235457" y="16322278"/>
+            <a:off x="9235457" y="16272395"/>
             <a:ext cx="8496000" cy="382165"/>
           </a:xfrm>
           <a:prstGeom prst="rect">
@@ -11128,10 +11127,10 @@
         </p:nvGrpSpPr>
         <p:grpSpPr>
           <a:xfrm>
-            <a:off x="9582857" y="10049542"/>
-            <a:ext cx="8064732" cy="6294861"/>
-            <a:chOff x="9582857" y="9992574"/>
-            <a:chExt cx="8064732" cy="6294861"/>
+            <a:off x="9582857" y="10147684"/>
+            <a:ext cx="7990592" cy="6139751"/>
+            <a:chOff x="9582857" y="10090716"/>
+            <a:chExt cx="8064732" cy="6196718"/>
           </a:xfrm>
         </p:grpSpPr>
         <p:grpSp>
@@ -11148,10 +11147,10 @@
           </p:nvGrpSpPr>
           <p:grpSpPr>
             <a:xfrm>
-              <a:off x="9582857" y="9992574"/>
-              <a:ext cx="7296606" cy="6294861"/>
-              <a:chOff x="9582858" y="10358029"/>
-              <a:chExt cx="6785382" cy="5826540"/>
+              <a:off x="9582857" y="10090716"/>
+              <a:ext cx="7296606" cy="6196718"/>
+              <a:chOff x="9582858" y="10448870"/>
+              <a:chExt cx="6785382" cy="5735699"/>
             </a:xfrm>
           </p:grpSpPr>
           <p:pic>
@@ -11176,13 +11175,13 @@
                   </a:ext>
                 </a:extLst>
               </a:blip>
-              <a:srcRect r="7445"/>
+              <a:srcRect t="1559" r="7445"/>
               <a:stretch/>
             </p:blipFill>
             <p:spPr>
               <a:xfrm>
-                <a:off x="9582858" y="10358029"/>
-                <a:ext cx="6785382" cy="5826540"/>
+                <a:off x="9582858" y="10448870"/>
+                <a:ext cx="6785382" cy="5735699"/>
               </a:xfrm>
               <a:prstGeom prst="rect">
                 <a:avLst/>
@@ -11334,7 +11333,7 @@
     </p:spTree>
     <p:extLst>
       <p:ext uri="{BB962C8B-B14F-4D97-AF65-F5344CB8AC3E}">
-        <p14:creationId xmlns:p14="http://schemas.microsoft.com/office/powerpoint/2010/main" val="4251329930"/>
+        <p14:creationId xmlns:p14="http://schemas.microsoft.com/office/powerpoint/2010/main" val="1657855788"/>
       </p:ext>
     </p:extLst>
   </p:cSld>
